--- a/Présentation+Soufiane.pptx
+++ b/Présentation+Soufiane.pptx
@@ -7013,7 +7013,7 @@
           </a:bodyPr>
           <a:lstStyle/>
           <a:p>
-            <a:pPr marL="0" lvl="0" indent="0" algn="l" rtl="0">
+            <a:pPr marL="0" lvl="0" indent="0" algn="ctr" rtl="0">
               <a:spcBef>
                 <a:spcPts val="0"/>
               </a:spcBef>
@@ -7052,8 +7052,8 @@
         </p:nvSpPr>
         <p:spPr>
           <a:xfrm>
-            <a:off x="311700" y="1152475"/>
-            <a:ext cx="8520600" cy="3416400"/>
+            <a:off x="2689357" y="1152475"/>
+            <a:ext cx="3765286" cy="3416400"/>
           </a:xfrm>
           <a:prstGeom prst="rect">
             <a:avLst/>
@@ -7065,7 +7065,7 @@
           </a:bodyPr>
           <a:lstStyle/>
           <a:p>
-            <a:pPr marL="457200" lvl="0" indent="-336550" algn="l" rtl="0">
+            <a:pPr marL="457200" lvl="0" indent="-336550" rtl="0">
               <a:lnSpc>
                 <a:spcPct val="150000"/>
               </a:lnSpc>
@@ -7083,7 +7083,7 @@
               <a:buAutoNum type="arabicPeriod"/>
             </a:pPr>
             <a:r>
-              <a:rPr lang="fr" sz="1700">
+              <a:rPr lang="fr" sz="1700" dirty="0">
                 <a:solidFill>
                   <a:srgbClr val="0D0D0D"/>
                 </a:solidFill>
@@ -7097,7 +7097,7 @@
               </a:rPr>
               <a:t>Contexte du projet</a:t>
             </a:r>
-            <a:endParaRPr sz="1700">
+            <a:endParaRPr sz="1700" dirty="0">
               <a:solidFill>
                 <a:srgbClr val="0D0D0D"/>
               </a:solidFill>
@@ -7111,7 +7111,7 @@
             </a:endParaRPr>
           </a:p>
           <a:p>
-            <a:pPr marL="457200" lvl="0" indent="-336550" algn="l" rtl="0">
+            <a:pPr marL="457200" lvl="0" indent="-336550" rtl="0">
               <a:lnSpc>
                 <a:spcPct val="150000"/>
               </a:lnSpc>
@@ -7129,7 +7129,7 @@
               <a:buAutoNum type="arabicPeriod"/>
             </a:pPr>
             <a:r>
-              <a:rPr lang="fr" sz="1700">
+              <a:rPr lang="fr" sz="1700" dirty="0">
                 <a:solidFill>
                   <a:srgbClr val="0D0D0D"/>
                 </a:solidFill>
@@ -7143,7 +7143,7 @@
               </a:rPr>
               <a:t>Aperçu de la maquette</a:t>
             </a:r>
-            <a:endParaRPr sz="1700">
+            <a:endParaRPr sz="1700" dirty="0">
               <a:solidFill>
                 <a:srgbClr val="0D0D0D"/>
               </a:solidFill>
@@ -7157,7 +7157,7 @@
             </a:endParaRPr>
           </a:p>
           <a:p>
-            <a:pPr marL="457200" lvl="0" indent="-336550" algn="l" rtl="0">
+            <a:pPr marL="457200" lvl="0" indent="-336550" rtl="0">
               <a:lnSpc>
                 <a:spcPct val="150000"/>
               </a:lnSpc>
@@ -7175,7 +7175,7 @@
               <a:buAutoNum type="arabicPeriod"/>
             </a:pPr>
             <a:r>
-              <a:rPr lang="fr" sz="1700">
+              <a:rPr lang="fr" sz="1700" dirty="0">
                 <a:solidFill>
                   <a:srgbClr val="0D0D0D"/>
                 </a:solidFill>
@@ -7189,7 +7189,7 @@
               </a:rPr>
               <a:t>Méthodologie utilisée</a:t>
             </a:r>
-            <a:endParaRPr sz="1700">
+            <a:endParaRPr sz="1700" dirty="0">
               <a:solidFill>
                 <a:srgbClr val="0D0D0D"/>
               </a:solidFill>
@@ -7203,7 +7203,7 @@
             </a:endParaRPr>
           </a:p>
           <a:p>
-            <a:pPr marL="457200" lvl="0" indent="-336550" algn="l" rtl="0">
+            <a:pPr marL="457200" lvl="0" indent="-336550" rtl="0">
               <a:lnSpc>
                 <a:spcPct val="150000"/>
               </a:lnSpc>
@@ -7221,7 +7221,7 @@
               <a:buAutoNum type="arabicPeriod"/>
             </a:pPr>
             <a:r>
-              <a:rPr lang="fr" sz="1700">
+              <a:rPr lang="fr" sz="1700" dirty="0">
                 <a:solidFill>
                   <a:srgbClr val="0D0D0D"/>
                 </a:solidFill>
@@ -7235,7 +7235,7 @@
               </a:rPr>
               <a:t>Tableau Kanban</a:t>
             </a:r>
-            <a:endParaRPr sz="1700">
+            <a:endParaRPr sz="1700" dirty="0">
               <a:solidFill>
                 <a:srgbClr val="0D0D0D"/>
               </a:solidFill>
@@ -7249,7 +7249,7 @@
             </a:endParaRPr>
           </a:p>
           <a:p>
-            <a:pPr marL="457200" lvl="0" indent="-336550" algn="l" rtl="0">
+            <a:pPr marL="457200" lvl="0" indent="-336550" rtl="0">
               <a:lnSpc>
                 <a:spcPct val="150000"/>
               </a:lnSpc>
@@ -7267,7 +7267,7 @@
               <a:buAutoNum type="arabicPeriod"/>
             </a:pPr>
             <a:r>
-              <a:rPr lang="fr" sz="1700">
+              <a:rPr lang="fr" sz="1700" dirty="0">
                 <a:solidFill>
                   <a:srgbClr val="0D0D0D"/>
                 </a:solidFill>
@@ -7281,7 +7281,7 @@
               </a:rPr>
               <a:t>Spécifications techniques</a:t>
             </a:r>
-            <a:endParaRPr sz="1700">
+            <a:endParaRPr sz="1700" dirty="0">
               <a:solidFill>
                 <a:srgbClr val="0D0D0D"/>
               </a:solidFill>
@@ -7295,7 +7295,7 @@
             </a:endParaRPr>
           </a:p>
           <a:p>
-            <a:pPr marL="457200" lvl="0" indent="-336550" algn="l" rtl="0">
+            <a:pPr marL="457200" lvl="0" indent="-336550" rtl="0">
               <a:lnSpc>
                 <a:spcPct val="150000"/>
               </a:lnSpc>
@@ -7313,7 +7313,7 @@
               <a:buAutoNum type="arabicPeriod"/>
             </a:pPr>
             <a:r>
-              <a:rPr lang="fr" sz="1700">
+              <a:rPr lang="fr" sz="1700" dirty="0">
                 <a:solidFill>
                   <a:srgbClr val="0D0D0D"/>
                 </a:solidFill>
@@ -7327,7 +7327,7 @@
               </a:rPr>
               <a:t>Veille technologique</a:t>
             </a:r>
-            <a:endParaRPr sz="1700">
+            <a:endParaRPr sz="1700" dirty="0">
               <a:solidFill>
                 <a:srgbClr val="0D0D0D"/>
               </a:solidFill>
@@ -7341,7 +7341,7 @@
             </a:endParaRPr>
           </a:p>
           <a:p>
-            <a:pPr marL="457200" lvl="0" indent="-336550" algn="l" rtl="0">
+            <a:pPr marL="457200" lvl="0" indent="-336550" rtl="0">
               <a:lnSpc>
                 <a:spcPct val="150000"/>
               </a:lnSpc>
@@ -7359,7 +7359,7 @@
               <a:buAutoNum type="arabicPeriod"/>
             </a:pPr>
             <a:r>
-              <a:rPr lang="fr" sz="1700">
+              <a:rPr lang="fr" sz="1700" dirty="0">
                 <a:solidFill>
                   <a:srgbClr val="0D0D0D"/>
                 </a:solidFill>
@@ -7373,7 +7373,7 @@
               </a:rPr>
               <a:t>Conclusion </a:t>
             </a:r>
-            <a:endParaRPr sz="1700">
+            <a:endParaRPr sz="1700" dirty="0">
               <a:solidFill>
                 <a:srgbClr val="0D0D0D"/>
               </a:solidFill>
@@ -7387,7 +7387,7 @@
             </a:endParaRPr>
           </a:p>
           <a:p>
-            <a:pPr marL="457200" lvl="0" indent="-336550" algn="l" rtl="0">
+            <a:pPr marL="457200" lvl="0" indent="-336550" rtl="0">
               <a:lnSpc>
                 <a:spcPct val="150000"/>
               </a:lnSpc>
@@ -7405,7 +7405,7 @@
               <a:buAutoNum type="arabicPeriod"/>
             </a:pPr>
             <a:r>
-              <a:rPr lang="fr" sz="1700">
+              <a:rPr lang="fr" sz="1700" dirty="0">
                 <a:solidFill>
                   <a:srgbClr val="0D0D0D"/>
                 </a:solidFill>
@@ -7419,7 +7419,7 @@
               </a:rPr>
               <a:t>Questions</a:t>
             </a:r>
-            <a:endParaRPr sz="1700">
+            <a:endParaRPr sz="1700" dirty="0">
               <a:solidFill>
                 <a:srgbClr val="0D0D0D"/>
               </a:solidFill>
@@ -7433,7 +7433,7 @@
             </a:endParaRPr>
           </a:p>
           <a:p>
-            <a:pPr marL="457200" lvl="0" indent="0" algn="l" rtl="0">
+            <a:pPr marL="457200" lvl="0" indent="0" rtl="0">
               <a:spcBef>
                 <a:spcPts val="0"/>
               </a:spcBef>
@@ -7442,7 +7442,7 @@
               </a:spcAft>
               <a:buNone/>
             </a:pPr>
-            <a:endParaRPr sz="1200">
+            <a:endParaRPr sz="1200" dirty="0">
               <a:solidFill>
                 <a:schemeClr val="dk1"/>
               </a:solidFill>
@@ -7573,7 +7573,7 @@
         </p:nvSpPr>
         <p:spPr>
           <a:xfrm>
-            <a:off x="434775" y="1085525"/>
+            <a:off x="434775" y="947334"/>
             <a:ext cx="8320500" cy="769411"/>
           </a:xfrm>
           <a:prstGeom prst="rect">
@@ -7699,7 +7699,7 @@
         </p:nvSpPr>
         <p:spPr>
           <a:xfrm>
-            <a:off x="411750" y="1547174"/>
+            <a:off x="411750" y="1408983"/>
             <a:ext cx="8320500" cy="615523"/>
           </a:xfrm>
           <a:prstGeom prst="rect">
@@ -7744,8 +7744,8 @@
         </p:nvSpPr>
         <p:spPr>
           <a:xfrm>
-            <a:off x="411750" y="2263988"/>
-            <a:ext cx="8320500" cy="615523"/>
+            <a:off x="6791924" y="4196166"/>
+            <a:ext cx="2352076" cy="830966"/>
           </a:xfrm>
           <a:prstGeom prst="rect">
             <a:avLst/>
@@ -7763,7 +7763,7 @@
           <a:p>
             <a:pPr algn="ctr"/>
             <a:r>
-              <a:rPr lang="fr-FR" b="1" i="1" dirty="0">
+              <a:rPr lang="fr-FR" sz="1050" b="1" i="1" dirty="0">
                 <a:solidFill>
                   <a:srgbClr val="FF0000"/>
                 </a:solidFill>
@@ -7772,7 +7772,7 @@
               <a:t>Expliquer le besoin client (</a:t>
             </a:r>
             <a:r>
-              <a:rPr lang="fr-FR" b="1" i="1" dirty="0" err="1">
+              <a:rPr lang="fr-FR" sz="1050" b="1" i="1" dirty="0" err="1">
                 <a:solidFill>
                   <a:srgbClr val="FF0000"/>
                 </a:solidFill>
@@ -7781,7 +7781,7 @@
               <a:t>Qwenta</a:t>
             </a:r>
             <a:r>
-              <a:rPr lang="fr-FR" b="1" i="1" dirty="0">
+              <a:rPr lang="fr-FR" sz="1050" b="1" i="1" dirty="0">
                 <a:solidFill>
                   <a:srgbClr val="FF0000"/>
                 </a:solidFill>
@@ -7791,7 +7791,7 @@
             </a:r>
           </a:p>
           <a:p>
-            <a:endParaRPr lang="fr-FR" dirty="0">
+            <a:endParaRPr lang="fr-FR" sz="1050" dirty="0">
               <a:latin typeface="Montserrat" panose="00000500000000000000" pitchFamily="2" charset="0"/>
             </a:endParaRPr>
           </a:p>
@@ -7825,6 +7825,66 @@
           <a:prstGeom prst="rect">
             <a:avLst/>
           </a:prstGeom>
+        </p:spPr>
+      </p:pic>
+      <p:pic>
+        <p:nvPicPr>
+          <p:cNvPr id="6" name="Image 5">
+            <a:extLst>
+              <a:ext uri="{FF2B5EF4-FFF2-40B4-BE49-F238E27FC236}">
+                <a16:creationId xmlns:a16="http://schemas.microsoft.com/office/drawing/2014/main" id="{38238FE2-F86E-3BA6-60C6-AB3ED9A2E78B}"/>
+              </a:ext>
+            </a:extLst>
+          </p:cNvPr>
+          <p:cNvPicPr>
+            <a:picLocks noChangeAspect="1"/>
+          </p:cNvPicPr>
+          <p:nvPr/>
+        </p:nvPicPr>
+        <p:blipFill>
+          <a:blip r:embed="rId5"/>
+          <a:stretch>
+            <a:fillRect/>
+          </a:stretch>
+        </p:blipFill>
+        <p:spPr>
+          <a:xfrm>
+            <a:off x="2352077" y="1844454"/>
+            <a:ext cx="4437469" cy="3167100"/>
+          </a:xfrm>
+          <a:prstGeom prst="rect">
+            <a:avLst/>
+          </a:prstGeom>
+          <a:solidFill>
+            <a:srgbClr val="FFFFFF">
+              <a:shade val="85000"/>
+            </a:srgbClr>
+          </a:solidFill>
+          <a:ln w="88900" cap="sq">
+            <a:solidFill>
+              <a:srgbClr val="FFFFFF"/>
+            </a:solidFill>
+            <a:miter lim="800000"/>
+          </a:ln>
+          <a:effectLst>
+            <a:outerShdw blurRad="55000" dist="18000" dir="5400000" algn="tl" rotWithShape="0">
+              <a:srgbClr val="000000">
+                <a:alpha val="40000"/>
+              </a:srgbClr>
+            </a:outerShdw>
+          </a:effectLst>
+          <a:scene3d>
+            <a:camera prst="orthographicFront"/>
+            <a:lightRig rig="twoPt" dir="t">
+              <a:rot lat="0" lon="0" rev="7200000"/>
+            </a:lightRig>
+          </a:scene3d>
+          <a:sp3d>
+            <a:bevelT w="25400" h="19050"/>
+            <a:contourClr>
+              <a:srgbClr val="FFFFFF"/>
+            </a:contourClr>
+          </a:sp3d>
         </p:spPr>
       </p:pic>
     </p:spTree>
@@ -8224,8 +8284,8 @@
         </p:nvSpPr>
         <p:spPr>
           <a:xfrm>
-            <a:off x="311700" y="1327987"/>
-            <a:ext cx="8520600" cy="1712169"/>
+            <a:off x="311700" y="973061"/>
+            <a:ext cx="8520600" cy="1533264"/>
           </a:xfrm>
           <a:prstGeom prst="rect">
             <a:avLst/>
@@ -8499,6 +8559,187 @@
           <a:ln>
             <a:noFill/>
           </a:ln>
+        </p:spPr>
+      </p:pic>
+      <p:pic>
+        <p:nvPicPr>
+          <p:cNvPr id="3" name="Image 2">
+            <a:extLst>
+              <a:ext uri="{FF2B5EF4-FFF2-40B4-BE49-F238E27FC236}">
+                <a16:creationId xmlns:a16="http://schemas.microsoft.com/office/drawing/2014/main" id="{260662E1-F106-0A32-B8C2-07BDEBFADAE2}"/>
+              </a:ext>
+            </a:extLst>
+          </p:cNvPr>
+          <p:cNvPicPr>
+            <a:picLocks noChangeAspect="1"/>
+          </p:cNvPicPr>
+          <p:nvPr/>
+        </p:nvPicPr>
+        <p:blipFill>
+          <a:blip r:embed="rId4"/>
+          <a:srcRect t="7396"/>
+          <a:stretch>
+            <a:fillRect/>
+          </a:stretch>
+        </p:blipFill>
+        <p:spPr>
+          <a:xfrm>
+            <a:off x="589008" y="2571750"/>
+            <a:ext cx="3215907" cy="2094907"/>
+          </a:xfrm>
+          <a:prstGeom prst="rect">
+            <a:avLst/>
+          </a:prstGeom>
+          <a:solidFill>
+            <a:srgbClr val="FFFFFF">
+              <a:shade val="85000"/>
+            </a:srgbClr>
+          </a:solidFill>
+          <a:ln w="88900" cap="sq">
+            <a:solidFill>
+              <a:srgbClr val="FFFFFF"/>
+            </a:solidFill>
+            <a:miter lim="800000"/>
+          </a:ln>
+          <a:effectLst>
+            <a:outerShdw blurRad="55000" dist="18000" dir="5400000" algn="tl" rotWithShape="0">
+              <a:srgbClr val="000000">
+                <a:alpha val="40000"/>
+              </a:srgbClr>
+            </a:outerShdw>
+          </a:effectLst>
+          <a:scene3d>
+            <a:camera prst="orthographicFront"/>
+            <a:lightRig rig="twoPt" dir="t">
+              <a:rot lat="0" lon="0" rev="7200000"/>
+            </a:lightRig>
+          </a:scene3d>
+          <a:sp3d>
+            <a:bevelT w="25400" h="19050"/>
+            <a:contourClr>
+              <a:srgbClr val="FFFFFF"/>
+            </a:contourClr>
+          </a:sp3d>
+        </p:spPr>
+      </p:pic>
+      <p:pic>
+        <p:nvPicPr>
+          <p:cNvPr id="5" name="Image 4">
+            <a:extLst>
+              <a:ext uri="{FF2B5EF4-FFF2-40B4-BE49-F238E27FC236}">
+                <a16:creationId xmlns:a16="http://schemas.microsoft.com/office/drawing/2014/main" id="{48BA44E5-17E5-CA17-86FA-5FF3164C26AF}"/>
+              </a:ext>
+            </a:extLst>
+          </p:cNvPr>
+          <p:cNvPicPr>
+            <a:picLocks noChangeAspect="1"/>
+          </p:cNvPicPr>
+          <p:nvPr/>
+        </p:nvPicPr>
+        <p:blipFill>
+          <a:blip r:embed="rId5"/>
+          <a:stretch>
+            <a:fillRect/>
+          </a:stretch>
+        </p:blipFill>
+        <p:spPr>
+          <a:xfrm>
+            <a:off x="2710139" y="2693125"/>
+            <a:ext cx="2882735" cy="2212561"/>
+          </a:xfrm>
+          <a:prstGeom prst="rect">
+            <a:avLst/>
+          </a:prstGeom>
+          <a:solidFill>
+            <a:srgbClr val="FFFFFF">
+              <a:shade val="85000"/>
+            </a:srgbClr>
+          </a:solidFill>
+          <a:ln w="88900" cap="sq">
+            <a:solidFill>
+              <a:srgbClr val="FFFFFF"/>
+            </a:solidFill>
+            <a:miter lim="800000"/>
+          </a:ln>
+          <a:effectLst>
+            <a:outerShdw blurRad="55000" dist="18000" dir="5400000" algn="tl" rotWithShape="0">
+              <a:srgbClr val="000000">
+                <a:alpha val="40000"/>
+              </a:srgbClr>
+            </a:outerShdw>
+          </a:effectLst>
+          <a:scene3d>
+            <a:camera prst="orthographicFront"/>
+            <a:lightRig rig="twoPt" dir="t">
+              <a:rot lat="0" lon="0" rev="7200000"/>
+            </a:lightRig>
+          </a:scene3d>
+          <a:sp3d>
+            <a:bevelT w="25400" h="19050"/>
+            <a:contourClr>
+              <a:srgbClr val="FFFFFF"/>
+            </a:contourClr>
+          </a:sp3d>
+        </p:spPr>
+      </p:pic>
+      <p:pic>
+        <p:nvPicPr>
+          <p:cNvPr id="7" name="Image 6">
+            <a:extLst>
+              <a:ext uri="{FF2B5EF4-FFF2-40B4-BE49-F238E27FC236}">
+                <a16:creationId xmlns:a16="http://schemas.microsoft.com/office/drawing/2014/main" id="{78FBD442-8AF2-17AC-0058-04F36D482BBC}"/>
+              </a:ext>
+            </a:extLst>
+          </p:cNvPr>
+          <p:cNvPicPr>
+            <a:picLocks noChangeAspect="1"/>
+          </p:cNvPicPr>
+          <p:nvPr/>
+        </p:nvPicPr>
+        <p:blipFill>
+          <a:blip r:embed="rId6"/>
+          <a:stretch>
+            <a:fillRect/>
+          </a:stretch>
+        </p:blipFill>
+        <p:spPr>
+          <a:xfrm>
+            <a:off x="4830611" y="2877979"/>
+            <a:ext cx="3932608" cy="2094906"/>
+          </a:xfrm>
+          <a:prstGeom prst="rect">
+            <a:avLst/>
+          </a:prstGeom>
+          <a:solidFill>
+            <a:srgbClr val="FFFFFF">
+              <a:shade val="85000"/>
+            </a:srgbClr>
+          </a:solidFill>
+          <a:ln w="88900" cap="sq">
+            <a:solidFill>
+              <a:srgbClr val="FFFFFF"/>
+            </a:solidFill>
+            <a:miter lim="800000"/>
+          </a:ln>
+          <a:effectLst>
+            <a:outerShdw blurRad="55000" dist="18000" dir="5400000" algn="tl" rotWithShape="0">
+              <a:srgbClr val="000000">
+                <a:alpha val="40000"/>
+              </a:srgbClr>
+            </a:outerShdw>
+          </a:effectLst>
+          <a:scene3d>
+            <a:camera prst="orthographicFront"/>
+            <a:lightRig rig="twoPt" dir="t">
+              <a:rot lat="0" lon="0" rev="7200000"/>
+            </a:lightRig>
+          </a:scene3d>
+          <a:sp3d>
+            <a:bevelT w="25400" h="19050"/>
+            <a:contourClr>
+              <a:srgbClr val="FFFFFF"/>
+            </a:contourClr>
+          </a:sp3d>
         </p:spPr>
       </p:pic>
     </p:spTree>
@@ -8666,7 +8907,7 @@
         </p:nvSpPr>
         <p:spPr>
           <a:xfrm>
-            <a:off x="411750" y="1223050"/>
+            <a:off x="411750" y="1122204"/>
             <a:ext cx="8320500" cy="1223382"/>
           </a:xfrm>
           <a:prstGeom prst="rect">
@@ -8862,11 +9103,11 @@
       </p:pic>
       <p:pic>
         <p:nvPicPr>
-          <p:cNvPr id="2" name="Image 1">
+          <p:cNvPr id="4" name="Image 3">
             <a:hlinkClick r:id="rId4"/>
             <a:extLst>
               <a:ext uri="{FF2B5EF4-FFF2-40B4-BE49-F238E27FC236}">
-                <a16:creationId xmlns:a16="http://schemas.microsoft.com/office/drawing/2014/main" id="{B6E399AD-6638-C952-37ED-A08F6BD87B45}"/>
+                <a16:creationId xmlns:a16="http://schemas.microsoft.com/office/drawing/2014/main" id="{8547083C-EABA-AEB1-9F62-72B1C1C06E7E}"/>
               </a:ext>
             </a:extLst>
           </p:cNvPr>
@@ -8883,8 +9124,8 @@
         </p:blipFill>
         <p:spPr>
           <a:xfrm>
-            <a:off x="1876425" y="3021878"/>
-            <a:ext cx="5391150" cy="485775"/>
+            <a:off x="2609504" y="2446432"/>
+            <a:ext cx="3924992" cy="2480505"/>
           </a:xfrm>
           <a:prstGeom prst="rect">
             <a:avLst/>
@@ -9397,8 +9638,8 @@
         </p:nvSpPr>
         <p:spPr>
           <a:xfrm>
-            <a:off x="411750" y="3120372"/>
-            <a:ext cx="8320500" cy="609367"/>
+            <a:off x="136741" y="4321767"/>
+            <a:ext cx="3376480" cy="821733"/>
           </a:xfrm>
           <a:prstGeom prst="rect">
             <a:avLst/>
@@ -9460,7 +9701,7 @@
                 <a:cs typeface="Montserrat"/>
                 <a:sym typeface="Montserrat"/>
               </a:rPr>
-              <a:t>)].</a:t>
+              <a:t>) + Justifier les choix techs].</a:t>
             </a:r>
           </a:p>
           <a:p>
@@ -9488,6 +9729,118 @@
           </a:p>
         </p:txBody>
       </p:sp>
+      <p:pic>
+        <p:nvPicPr>
+          <p:cNvPr id="1026" name="Picture 2">
+            <a:extLst>
+              <a:ext uri="{FF2B5EF4-FFF2-40B4-BE49-F238E27FC236}">
+                <a16:creationId xmlns:a16="http://schemas.microsoft.com/office/drawing/2014/main" id="{7BDC8DBE-722B-2444-B4CE-671C69BA726A}"/>
+              </a:ext>
+            </a:extLst>
+          </p:cNvPr>
+          <p:cNvPicPr>
+            <a:picLocks noChangeAspect="1" noChangeArrowheads="1"/>
+          </p:cNvPicPr>
+          <p:nvPr/>
+        </p:nvPicPr>
+        <p:blipFill>
+          <a:blip r:embed="rId4">
+            <a:extLst>
+              <a:ext uri="{28A0092B-C50C-407E-A947-70E740481C1C}">
+                <a14:useLocalDpi xmlns:a14="http://schemas.microsoft.com/office/drawing/2010/main" val="0"/>
+              </a:ext>
+            </a:extLst>
+          </a:blip>
+          <a:srcRect/>
+          <a:stretch>
+            <a:fillRect/>
+          </a:stretch>
+        </p:blipFill>
+        <p:spPr bwMode="auto">
+          <a:xfrm>
+            <a:off x="2818828" y="2446898"/>
+            <a:ext cx="2591946" cy="703614"/>
+          </a:xfrm>
+          <a:prstGeom prst="rect">
+            <a:avLst/>
+          </a:prstGeom>
+          <a:noFill/>
+          <a:ln>
+            <a:solidFill>
+              <a:schemeClr val="tx1"/>
+            </a:solidFill>
+          </a:ln>
+          <a:extLst>
+            <a:ext uri="{909E8E84-426E-40DD-AFC4-6F175D3DCCD1}">
+              <a14:hiddenFill xmlns:a14="http://schemas.microsoft.com/office/drawing/2010/main">
+                <a:solidFill>
+                  <a:srgbClr val="FFFFFF"/>
+                </a:solidFill>
+              </a14:hiddenFill>
+            </a:ext>
+          </a:extLst>
+        </p:spPr>
+      </p:pic>
+      <p:pic>
+        <p:nvPicPr>
+          <p:cNvPr id="4" name="Image 3">
+            <a:extLst>
+              <a:ext uri="{FF2B5EF4-FFF2-40B4-BE49-F238E27FC236}">
+                <a16:creationId xmlns:a16="http://schemas.microsoft.com/office/drawing/2014/main" id="{71A626B4-044F-A3D2-4402-A6C4BDAC44F4}"/>
+              </a:ext>
+            </a:extLst>
+          </p:cNvPr>
+          <p:cNvPicPr>
+            <a:picLocks noChangeAspect="1"/>
+          </p:cNvPicPr>
+          <p:nvPr/>
+        </p:nvPicPr>
+        <p:blipFill>
+          <a:blip r:embed="rId5"/>
+          <a:stretch>
+            <a:fillRect/>
+          </a:stretch>
+        </p:blipFill>
+        <p:spPr>
+          <a:xfrm>
+            <a:off x="5937332" y="1995401"/>
+            <a:ext cx="1921008" cy="2952106"/>
+          </a:xfrm>
+          <a:prstGeom prst="rect">
+            <a:avLst/>
+          </a:prstGeom>
+          <a:solidFill>
+            <a:srgbClr val="FFFFFF">
+              <a:shade val="85000"/>
+            </a:srgbClr>
+          </a:solidFill>
+          <a:ln w="88900" cap="sq">
+            <a:solidFill>
+              <a:srgbClr val="FFFFFF"/>
+            </a:solidFill>
+            <a:miter lim="800000"/>
+          </a:ln>
+          <a:effectLst>
+            <a:outerShdw blurRad="55000" dist="18000" dir="5400000" algn="tl" rotWithShape="0">
+              <a:srgbClr val="000000">
+                <a:alpha val="40000"/>
+              </a:srgbClr>
+            </a:outerShdw>
+          </a:effectLst>
+          <a:scene3d>
+            <a:camera prst="orthographicFront"/>
+            <a:lightRig rig="twoPt" dir="t">
+              <a:rot lat="0" lon="0" rev="7200000"/>
+            </a:lightRig>
+          </a:scene3d>
+          <a:sp3d>
+            <a:bevelT w="25400" h="19050"/>
+            <a:contourClr>
+              <a:srgbClr val="FFFFFF"/>
+            </a:contourClr>
+          </a:sp3d>
+        </p:spPr>
+      </p:pic>
     </p:spTree>
   </p:cSld>
   <p:clrMapOvr>
@@ -9709,13 +10062,15 @@
         </p:nvSpPr>
         <p:spPr>
           <a:xfrm>
-            <a:off x="434775" y="1085524"/>
+            <a:off x="0" y="1099808"/>
             <a:ext cx="4137225" cy="830966"/>
           </a:xfrm>
           <a:prstGeom prst="rect">
             <a:avLst/>
           </a:prstGeom>
-          <a:ln/>
+          <a:ln>
+            <a:noFill/>
+          </a:ln>
         </p:spPr>
         <p:style>
           <a:lnRef idx="2">
@@ -9890,13 +10245,15 @@
         </p:nvSpPr>
         <p:spPr>
           <a:xfrm>
-            <a:off x="4572000" y="1081349"/>
+            <a:off x="4818150" y="1129833"/>
             <a:ext cx="4137225" cy="854050"/>
           </a:xfrm>
           <a:prstGeom prst="rect">
             <a:avLst/>
           </a:prstGeom>
-          <a:ln/>
+          <a:ln>
+            <a:noFill/>
+          </a:ln>
         </p:spPr>
         <p:style>
           <a:lnRef idx="2">
@@ -9974,6 +10331,586 @@
           </a:p>
         </p:txBody>
       </p:sp>
+      <p:sp>
+        <p:nvSpPr>
+          <p:cNvPr id="3" name="Google Shape;111;p20">
+            <a:extLst>
+              <a:ext uri="{FF2B5EF4-FFF2-40B4-BE49-F238E27FC236}">
+                <a16:creationId xmlns:a16="http://schemas.microsoft.com/office/drawing/2014/main" id="{DB9D74B5-980D-B711-EAD6-36DE9E120F06}"/>
+              </a:ext>
+            </a:extLst>
+          </p:cNvPr>
+          <p:cNvSpPr txBox="1">
+            <a:spLocks/>
+          </p:cNvSpPr>
+          <p:nvPr/>
+        </p:nvSpPr>
+        <p:spPr>
+          <a:xfrm>
+            <a:off x="6753662" y="4413033"/>
+            <a:ext cx="2390338" cy="751953"/>
+          </a:xfrm>
+          <a:prstGeom prst="rect">
+            <a:avLst/>
+          </a:prstGeom>
+          <a:noFill/>
+          <a:ln>
+            <a:noFill/>
+          </a:ln>
+        </p:spPr>
+        <p:txBody>
+          <a:bodyPr spcFirstLastPara="1" wrap="square" lIns="91425" tIns="91425" rIns="91425" bIns="91425" anchor="t" anchorCtr="0">
+            <a:normAutofit fontScale="67500" lnSpcReduction="20000"/>
+          </a:bodyPr>
+          <a:lstStyle>
+            <a:defPPr marR="0" lvl="0" algn="l" rtl="0">
+              <a:lnSpc>
+                <a:spcPct val="100000"/>
+              </a:lnSpc>
+              <a:spcBef>
+                <a:spcPts val="0"/>
+              </a:spcBef>
+              <a:spcAft>
+                <a:spcPts val="0"/>
+              </a:spcAft>
+            </a:defPPr>
+            <a:lvl1pPr marR="0" lvl="0" algn="l" rtl="0">
+              <a:lnSpc>
+                <a:spcPct val="100000"/>
+              </a:lnSpc>
+              <a:spcBef>
+                <a:spcPts val="0"/>
+              </a:spcBef>
+              <a:spcAft>
+                <a:spcPts val="0"/>
+              </a:spcAft>
+              <a:buClr>
+                <a:schemeClr val="dk1"/>
+              </a:buClr>
+              <a:buSzPts val="2800"/>
+              <a:buFont typeface="Arial"/>
+              <a:buNone/>
+              <a:defRPr sz="2800" b="0" i="0" u="none" strike="noStrike" cap="none">
+                <a:solidFill>
+                  <a:schemeClr val="dk1"/>
+                </a:solidFill>
+                <a:latin typeface="Arial"/>
+                <a:ea typeface="Arial"/>
+                <a:cs typeface="Arial"/>
+                <a:sym typeface="Arial"/>
+              </a:defRPr>
+            </a:lvl1pPr>
+            <a:lvl2pPr marR="0" lvl="1" algn="l" rtl="0">
+              <a:lnSpc>
+                <a:spcPct val="100000"/>
+              </a:lnSpc>
+              <a:spcBef>
+                <a:spcPts val="0"/>
+              </a:spcBef>
+              <a:spcAft>
+                <a:spcPts val="0"/>
+              </a:spcAft>
+              <a:buClr>
+                <a:schemeClr val="dk1"/>
+              </a:buClr>
+              <a:buSzPts val="2800"/>
+              <a:buFont typeface="Arial"/>
+              <a:buNone/>
+              <a:defRPr sz="2800" b="0" i="0" u="none" strike="noStrike" cap="none">
+                <a:solidFill>
+                  <a:schemeClr val="dk1"/>
+                </a:solidFill>
+                <a:latin typeface="Arial"/>
+                <a:ea typeface="Arial"/>
+                <a:cs typeface="Arial"/>
+                <a:sym typeface="Arial"/>
+              </a:defRPr>
+            </a:lvl2pPr>
+            <a:lvl3pPr marR="0" lvl="2" algn="l" rtl="0">
+              <a:lnSpc>
+                <a:spcPct val="100000"/>
+              </a:lnSpc>
+              <a:spcBef>
+                <a:spcPts val="0"/>
+              </a:spcBef>
+              <a:spcAft>
+                <a:spcPts val="0"/>
+              </a:spcAft>
+              <a:buClr>
+                <a:schemeClr val="dk1"/>
+              </a:buClr>
+              <a:buSzPts val="2800"/>
+              <a:buFont typeface="Arial"/>
+              <a:buNone/>
+              <a:defRPr sz="2800" b="0" i="0" u="none" strike="noStrike" cap="none">
+                <a:solidFill>
+                  <a:schemeClr val="dk1"/>
+                </a:solidFill>
+                <a:latin typeface="Arial"/>
+                <a:ea typeface="Arial"/>
+                <a:cs typeface="Arial"/>
+                <a:sym typeface="Arial"/>
+              </a:defRPr>
+            </a:lvl3pPr>
+            <a:lvl4pPr marR="0" lvl="3" algn="l" rtl="0">
+              <a:lnSpc>
+                <a:spcPct val="100000"/>
+              </a:lnSpc>
+              <a:spcBef>
+                <a:spcPts val="0"/>
+              </a:spcBef>
+              <a:spcAft>
+                <a:spcPts val="0"/>
+              </a:spcAft>
+              <a:buClr>
+                <a:schemeClr val="dk1"/>
+              </a:buClr>
+              <a:buSzPts val="2800"/>
+              <a:buFont typeface="Arial"/>
+              <a:buNone/>
+              <a:defRPr sz="2800" b="0" i="0" u="none" strike="noStrike" cap="none">
+                <a:solidFill>
+                  <a:schemeClr val="dk1"/>
+                </a:solidFill>
+                <a:latin typeface="Arial"/>
+                <a:ea typeface="Arial"/>
+                <a:cs typeface="Arial"/>
+                <a:sym typeface="Arial"/>
+              </a:defRPr>
+            </a:lvl4pPr>
+            <a:lvl5pPr marR="0" lvl="4" algn="l" rtl="0">
+              <a:lnSpc>
+                <a:spcPct val="100000"/>
+              </a:lnSpc>
+              <a:spcBef>
+                <a:spcPts val="0"/>
+              </a:spcBef>
+              <a:spcAft>
+                <a:spcPts val="0"/>
+              </a:spcAft>
+              <a:buClr>
+                <a:schemeClr val="dk1"/>
+              </a:buClr>
+              <a:buSzPts val="2800"/>
+              <a:buFont typeface="Arial"/>
+              <a:buNone/>
+              <a:defRPr sz="2800" b="0" i="0" u="none" strike="noStrike" cap="none">
+                <a:solidFill>
+                  <a:schemeClr val="dk1"/>
+                </a:solidFill>
+                <a:latin typeface="Arial"/>
+                <a:ea typeface="Arial"/>
+                <a:cs typeface="Arial"/>
+                <a:sym typeface="Arial"/>
+              </a:defRPr>
+            </a:lvl5pPr>
+            <a:lvl6pPr marR="0" lvl="5" algn="l" rtl="0">
+              <a:lnSpc>
+                <a:spcPct val="100000"/>
+              </a:lnSpc>
+              <a:spcBef>
+                <a:spcPts val="0"/>
+              </a:spcBef>
+              <a:spcAft>
+                <a:spcPts val="0"/>
+              </a:spcAft>
+              <a:buClr>
+                <a:schemeClr val="dk1"/>
+              </a:buClr>
+              <a:buSzPts val="2800"/>
+              <a:buFont typeface="Arial"/>
+              <a:buNone/>
+              <a:defRPr sz="2800" b="0" i="0" u="none" strike="noStrike" cap="none">
+                <a:solidFill>
+                  <a:schemeClr val="dk1"/>
+                </a:solidFill>
+                <a:latin typeface="Arial"/>
+                <a:ea typeface="Arial"/>
+                <a:cs typeface="Arial"/>
+                <a:sym typeface="Arial"/>
+              </a:defRPr>
+            </a:lvl6pPr>
+            <a:lvl7pPr marR="0" lvl="6" algn="l" rtl="0">
+              <a:lnSpc>
+                <a:spcPct val="100000"/>
+              </a:lnSpc>
+              <a:spcBef>
+                <a:spcPts val="0"/>
+              </a:spcBef>
+              <a:spcAft>
+                <a:spcPts val="0"/>
+              </a:spcAft>
+              <a:buClr>
+                <a:schemeClr val="dk1"/>
+              </a:buClr>
+              <a:buSzPts val="2800"/>
+              <a:buFont typeface="Arial"/>
+              <a:buNone/>
+              <a:defRPr sz="2800" b="0" i="0" u="none" strike="noStrike" cap="none">
+                <a:solidFill>
+                  <a:schemeClr val="dk1"/>
+                </a:solidFill>
+                <a:latin typeface="Arial"/>
+                <a:ea typeface="Arial"/>
+                <a:cs typeface="Arial"/>
+                <a:sym typeface="Arial"/>
+              </a:defRPr>
+            </a:lvl7pPr>
+            <a:lvl8pPr marR="0" lvl="7" algn="l" rtl="0">
+              <a:lnSpc>
+                <a:spcPct val="100000"/>
+              </a:lnSpc>
+              <a:spcBef>
+                <a:spcPts val="0"/>
+              </a:spcBef>
+              <a:spcAft>
+                <a:spcPts val="0"/>
+              </a:spcAft>
+              <a:buClr>
+                <a:schemeClr val="dk1"/>
+              </a:buClr>
+              <a:buSzPts val="2800"/>
+              <a:buFont typeface="Arial"/>
+              <a:buNone/>
+              <a:defRPr sz="2800" b="0" i="0" u="none" strike="noStrike" cap="none">
+                <a:solidFill>
+                  <a:schemeClr val="dk1"/>
+                </a:solidFill>
+                <a:latin typeface="Arial"/>
+                <a:ea typeface="Arial"/>
+                <a:cs typeface="Arial"/>
+                <a:sym typeface="Arial"/>
+              </a:defRPr>
+            </a:lvl8pPr>
+            <a:lvl9pPr marR="0" lvl="8" algn="l" rtl="0">
+              <a:lnSpc>
+                <a:spcPct val="100000"/>
+              </a:lnSpc>
+              <a:spcBef>
+                <a:spcPts val="0"/>
+              </a:spcBef>
+              <a:spcAft>
+                <a:spcPts val="0"/>
+              </a:spcAft>
+              <a:buClr>
+                <a:schemeClr val="dk1"/>
+              </a:buClr>
+              <a:buSzPts val="2800"/>
+              <a:buFont typeface="Arial"/>
+              <a:buNone/>
+              <a:defRPr sz="2800" b="0" i="0" u="none" strike="noStrike" cap="none">
+                <a:solidFill>
+                  <a:schemeClr val="dk1"/>
+                </a:solidFill>
+                <a:latin typeface="Arial"/>
+                <a:ea typeface="Arial"/>
+                <a:cs typeface="Arial"/>
+                <a:sym typeface="Arial"/>
+              </a:defRPr>
+            </a:lvl9pPr>
+          </a:lstStyle>
+          <a:p>
+            <a:pPr algn="ctr">
+              <a:lnSpc>
+                <a:spcPct val="115000"/>
+              </a:lnSpc>
+              <a:spcAft>
+                <a:spcPts val="1200"/>
+              </a:spcAft>
+            </a:pPr>
+            <a:r>
+              <a:rPr lang="fr-FR" sz="2000" b="1" i="1" dirty="0">
+                <a:solidFill>
+                  <a:srgbClr val="FF0000"/>
+                </a:solidFill>
+                <a:latin typeface="Montserrat"/>
+                <a:ea typeface="Montserrat"/>
+                <a:cs typeface="Montserrat"/>
+                <a:sym typeface="Montserrat"/>
+              </a:rPr>
+              <a:t>« m’a aidé pour mes choix tech »</a:t>
+            </a:r>
+          </a:p>
+        </p:txBody>
+      </p:sp>
+      <p:pic>
+        <p:nvPicPr>
+          <p:cNvPr id="5" name="Image 4">
+            <a:extLst>
+              <a:ext uri="{FF2B5EF4-FFF2-40B4-BE49-F238E27FC236}">
+                <a16:creationId xmlns:a16="http://schemas.microsoft.com/office/drawing/2014/main" id="{AC806BAA-F797-1243-D4B8-0D45E29EB26A}"/>
+              </a:ext>
+            </a:extLst>
+          </p:cNvPr>
+          <p:cNvPicPr>
+            <a:picLocks noChangeAspect="1"/>
+          </p:cNvPicPr>
+          <p:nvPr/>
+        </p:nvPicPr>
+        <p:blipFill>
+          <a:blip r:embed="rId4"/>
+          <a:stretch>
+            <a:fillRect/>
+          </a:stretch>
+        </p:blipFill>
+        <p:spPr>
+          <a:xfrm>
+            <a:off x="342657" y="2058044"/>
+            <a:ext cx="3443288" cy="802631"/>
+          </a:xfrm>
+          <a:prstGeom prst="rect">
+            <a:avLst/>
+          </a:prstGeom>
+          <a:solidFill>
+            <a:srgbClr val="FFFFFF">
+              <a:shade val="85000"/>
+            </a:srgbClr>
+          </a:solidFill>
+          <a:ln w="88900" cap="sq">
+            <a:solidFill>
+              <a:srgbClr val="FFFFFF"/>
+            </a:solidFill>
+            <a:miter lim="800000"/>
+          </a:ln>
+          <a:effectLst>
+            <a:outerShdw blurRad="55000" dist="18000" dir="5400000" algn="tl" rotWithShape="0">
+              <a:srgbClr val="000000">
+                <a:alpha val="40000"/>
+              </a:srgbClr>
+            </a:outerShdw>
+          </a:effectLst>
+          <a:scene3d>
+            <a:camera prst="orthographicFront"/>
+            <a:lightRig rig="twoPt" dir="t">
+              <a:rot lat="0" lon="0" rev="7200000"/>
+            </a:lightRig>
+          </a:scene3d>
+          <a:sp3d>
+            <a:bevelT w="25400" h="19050"/>
+            <a:contourClr>
+              <a:srgbClr val="FFFFFF"/>
+            </a:contourClr>
+          </a:sp3d>
+        </p:spPr>
+      </p:pic>
+      <p:pic>
+        <p:nvPicPr>
+          <p:cNvPr id="7" name="Image 6">
+            <a:extLst>
+              <a:ext uri="{FF2B5EF4-FFF2-40B4-BE49-F238E27FC236}">
+                <a16:creationId xmlns:a16="http://schemas.microsoft.com/office/drawing/2014/main" id="{CF9DE619-7BB2-262F-5A8E-6C79CABB0A1C}"/>
+              </a:ext>
+            </a:extLst>
+          </p:cNvPr>
+          <p:cNvPicPr>
+            <a:picLocks noChangeAspect="1"/>
+          </p:cNvPicPr>
+          <p:nvPr/>
+        </p:nvPicPr>
+        <p:blipFill>
+          <a:blip r:embed="rId5"/>
+          <a:stretch>
+            <a:fillRect/>
+          </a:stretch>
+        </p:blipFill>
+        <p:spPr>
+          <a:xfrm>
+            <a:off x="398662" y="3033710"/>
+            <a:ext cx="3738563" cy="1009982"/>
+          </a:xfrm>
+          <a:prstGeom prst="rect">
+            <a:avLst/>
+          </a:prstGeom>
+          <a:solidFill>
+            <a:srgbClr val="FFFFFF">
+              <a:shade val="85000"/>
+            </a:srgbClr>
+          </a:solidFill>
+          <a:ln w="88900" cap="sq">
+            <a:solidFill>
+              <a:srgbClr val="FFFFFF"/>
+            </a:solidFill>
+            <a:miter lim="800000"/>
+          </a:ln>
+          <a:effectLst>
+            <a:outerShdw blurRad="55000" dist="18000" dir="5400000" algn="tl" rotWithShape="0">
+              <a:srgbClr val="000000">
+                <a:alpha val="40000"/>
+              </a:srgbClr>
+            </a:outerShdw>
+          </a:effectLst>
+          <a:scene3d>
+            <a:camera prst="orthographicFront"/>
+            <a:lightRig rig="twoPt" dir="t">
+              <a:rot lat="0" lon="0" rev="7200000"/>
+            </a:lightRig>
+          </a:scene3d>
+          <a:sp3d>
+            <a:bevelT w="25400" h="19050"/>
+            <a:contourClr>
+              <a:srgbClr val="FFFFFF"/>
+            </a:contourClr>
+          </a:sp3d>
+        </p:spPr>
+      </p:pic>
+      <p:pic>
+        <p:nvPicPr>
+          <p:cNvPr id="9" name="Image 8">
+            <a:extLst>
+              <a:ext uri="{FF2B5EF4-FFF2-40B4-BE49-F238E27FC236}">
+                <a16:creationId xmlns:a16="http://schemas.microsoft.com/office/drawing/2014/main" id="{E808D8BA-244E-E94C-2D6B-1E6E9D32CED1}"/>
+              </a:ext>
+            </a:extLst>
+          </p:cNvPr>
+          <p:cNvPicPr>
+            <a:picLocks noChangeAspect="1"/>
+          </p:cNvPicPr>
+          <p:nvPr/>
+        </p:nvPicPr>
+        <p:blipFill>
+          <a:blip r:embed="rId6"/>
+          <a:stretch>
+            <a:fillRect/>
+          </a:stretch>
+        </p:blipFill>
+        <p:spPr>
+          <a:xfrm>
+            <a:off x="5583899" y="2095990"/>
+            <a:ext cx="3336263" cy="799398"/>
+          </a:xfrm>
+          <a:prstGeom prst="rect">
+            <a:avLst/>
+          </a:prstGeom>
+          <a:solidFill>
+            <a:srgbClr val="FFFFFF">
+              <a:shade val="85000"/>
+            </a:srgbClr>
+          </a:solidFill>
+          <a:ln w="88900" cap="sq">
+            <a:solidFill>
+              <a:srgbClr val="FFFFFF"/>
+            </a:solidFill>
+            <a:miter lim="800000"/>
+          </a:ln>
+          <a:effectLst>
+            <a:outerShdw blurRad="55000" dist="18000" dir="5400000" algn="tl" rotWithShape="0">
+              <a:srgbClr val="000000">
+                <a:alpha val="40000"/>
+              </a:srgbClr>
+            </a:outerShdw>
+          </a:effectLst>
+          <a:scene3d>
+            <a:camera prst="orthographicFront"/>
+            <a:lightRig rig="twoPt" dir="t">
+              <a:rot lat="0" lon="0" rev="7200000"/>
+            </a:lightRig>
+          </a:scene3d>
+          <a:sp3d>
+            <a:bevelT w="25400" h="19050"/>
+            <a:contourClr>
+              <a:srgbClr val="FFFFFF"/>
+            </a:contourClr>
+          </a:sp3d>
+        </p:spPr>
+      </p:pic>
+      <p:pic>
+        <p:nvPicPr>
+          <p:cNvPr id="11" name="Image 10">
+            <a:extLst>
+              <a:ext uri="{FF2B5EF4-FFF2-40B4-BE49-F238E27FC236}">
+                <a16:creationId xmlns:a16="http://schemas.microsoft.com/office/drawing/2014/main" id="{851D25CB-653F-A2FD-410C-A16B1A21FDAF}"/>
+              </a:ext>
+            </a:extLst>
+          </p:cNvPr>
+          <p:cNvPicPr>
+            <a:picLocks noChangeAspect="1"/>
+          </p:cNvPicPr>
+          <p:nvPr/>
+        </p:nvPicPr>
+        <p:blipFill>
+          <a:blip r:embed="rId7"/>
+          <a:stretch>
+            <a:fillRect/>
+          </a:stretch>
+        </p:blipFill>
+        <p:spPr>
+          <a:xfrm>
+            <a:off x="4881562" y="3111003"/>
+            <a:ext cx="4038600" cy="781050"/>
+          </a:xfrm>
+          <a:prstGeom prst="rect">
+            <a:avLst/>
+          </a:prstGeom>
+          <a:solidFill>
+            <a:srgbClr val="FFFFFF">
+              <a:shade val="85000"/>
+            </a:srgbClr>
+          </a:solidFill>
+          <a:ln w="88900" cap="sq">
+            <a:solidFill>
+              <a:srgbClr val="FFFFFF"/>
+            </a:solidFill>
+            <a:miter lim="800000"/>
+          </a:ln>
+          <a:effectLst>
+            <a:outerShdw blurRad="55000" dist="18000" dir="5400000" algn="tl" rotWithShape="0">
+              <a:srgbClr val="000000">
+                <a:alpha val="40000"/>
+              </a:srgbClr>
+            </a:outerShdw>
+          </a:effectLst>
+          <a:scene3d>
+            <a:camera prst="orthographicFront"/>
+            <a:lightRig rig="twoPt" dir="t">
+              <a:rot lat="0" lon="0" rev="7200000"/>
+            </a:lightRig>
+          </a:scene3d>
+          <a:sp3d>
+            <a:bevelT w="25400" h="19050"/>
+            <a:contourClr>
+              <a:srgbClr val="FFFFFF"/>
+            </a:contourClr>
+          </a:sp3d>
+        </p:spPr>
+      </p:pic>
+      <p:cxnSp>
+        <p:nvCxnSpPr>
+          <p:cNvPr id="13" name="Connecteur droit 12">
+            <a:extLst>
+              <a:ext uri="{FF2B5EF4-FFF2-40B4-BE49-F238E27FC236}">
+                <a16:creationId xmlns:a16="http://schemas.microsoft.com/office/drawing/2014/main" id="{A6C9644A-FBFA-C6C9-E495-2532E5935BF8}"/>
+              </a:ext>
+            </a:extLst>
+          </p:cNvPr>
+          <p:cNvCxnSpPr>
+            <a:cxnSpLocks/>
+          </p:cNvCxnSpPr>
+          <p:nvPr/>
+        </p:nvCxnSpPr>
+        <p:spPr>
+          <a:xfrm>
+            <a:off x="4572000" y="1292736"/>
+            <a:ext cx="0" cy="3636534"/>
+          </a:xfrm>
+          <a:prstGeom prst="line">
+            <a:avLst/>
+          </a:prstGeom>
+        </p:spPr>
+        <p:style>
+          <a:lnRef idx="1">
+            <a:schemeClr val="dk1"/>
+          </a:lnRef>
+          <a:fillRef idx="0">
+            <a:schemeClr val="dk1"/>
+          </a:fillRef>
+          <a:effectRef idx="0">
+            <a:schemeClr val="dk1"/>
+          </a:effectRef>
+          <a:fontRef idx="minor">
+            <a:schemeClr val="tx1"/>
+          </a:fontRef>
+        </p:style>
+      </p:cxnSp>
     </p:spTree>
   </p:cSld>
   <p:clrMapOvr>
@@ -10195,7 +11132,7 @@
         </p:nvSpPr>
         <p:spPr>
           <a:xfrm>
-            <a:off x="434775" y="1085525"/>
+            <a:off x="434775" y="1017725"/>
             <a:ext cx="8320500" cy="1246465"/>
           </a:xfrm>
           <a:prstGeom prst="rect">
@@ -10415,87 +11352,126 @@
           </a:ln>
         </p:spPr>
       </p:pic>
-      <p:sp>
-        <p:nvSpPr>
-          <p:cNvPr id="2" name="Google Shape;104;p19">
+      <p:pic>
+        <p:nvPicPr>
+          <p:cNvPr id="3" name="Image 2">
             <a:extLst>
               <a:ext uri="{FF2B5EF4-FFF2-40B4-BE49-F238E27FC236}">
-                <a16:creationId xmlns:a16="http://schemas.microsoft.com/office/drawing/2014/main" id="{0F8E8A67-CBDC-05B5-36C1-14BDA7FEB372}"/>
+                <a16:creationId xmlns:a16="http://schemas.microsoft.com/office/drawing/2014/main" id="{E3E62FDA-E355-E02D-B0E2-D345BDF327E9}"/>
               </a:ext>
             </a:extLst>
           </p:cNvPr>
-          <p:cNvSpPr txBox="1"/>
+          <p:cNvPicPr>
+            <a:picLocks noChangeAspect="1"/>
+          </p:cNvPicPr>
           <p:nvPr/>
-        </p:nvSpPr>
+        </p:nvPicPr>
+        <p:blipFill>
+          <a:blip r:embed="rId4"/>
+          <a:stretch>
+            <a:fillRect/>
+          </a:stretch>
+        </p:blipFill>
         <p:spPr>
           <a:xfrm>
-            <a:off x="411750" y="3076481"/>
-            <a:ext cx="8320500" cy="609367"/>
+            <a:off x="2105388" y="2201875"/>
+            <a:ext cx="3750447" cy="2676760"/>
           </a:xfrm>
           <a:prstGeom prst="rect">
             <a:avLst/>
           </a:prstGeom>
-          <a:noFill/>
-          <a:ln>
-            <a:noFill/>
+          <a:solidFill>
+            <a:srgbClr val="FFFFFF">
+              <a:shade val="85000"/>
+            </a:srgbClr>
+          </a:solidFill>
+          <a:ln w="88900" cap="sq">
+            <a:solidFill>
+              <a:srgbClr val="FFFFFF"/>
+            </a:solidFill>
+            <a:miter lim="800000"/>
           </a:ln>
+          <a:effectLst>
+            <a:outerShdw blurRad="55000" dist="18000" dir="5400000" algn="tl" rotWithShape="0">
+              <a:srgbClr val="000000">
+                <a:alpha val="40000"/>
+              </a:srgbClr>
+            </a:outerShdw>
+          </a:effectLst>
+          <a:scene3d>
+            <a:camera prst="orthographicFront"/>
+            <a:lightRig rig="twoPt" dir="t">
+              <a:rot lat="0" lon="0" rev="7200000"/>
+            </a:lightRig>
+          </a:scene3d>
+          <a:sp3d>
+            <a:bevelT w="25400" h="19050"/>
+            <a:contourClr>
+              <a:srgbClr val="FFFFFF"/>
+            </a:contourClr>
+          </a:sp3d>
         </p:spPr>
-        <p:txBody>
-          <a:bodyPr spcFirstLastPara="1" wrap="square" lIns="91425" tIns="91425" rIns="91425" bIns="91425" anchor="t" anchorCtr="0">
-            <a:spAutoFit/>
-          </a:bodyPr>
-          <a:lstStyle/>
-          <a:p>
-            <a:pPr marL="0" lvl="0" indent="0" algn="ctr" rtl="0">
-              <a:lnSpc>
-                <a:spcPct val="115000"/>
-              </a:lnSpc>
-              <a:spcBef>
-                <a:spcPts val="0"/>
-              </a:spcBef>
-              <a:spcAft>
-                <a:spcPts val="0"/>
-              </a:spcAft>
-              <a:buNone/>
-            </a:pPr>
-            <a:r>
-              <a:rPr lang="fr-FR" sz="1200" b="1" i="1" dirty="0">
-                <a:solidFill>
-                  <a:srgbClr val="FF0000"/>
-                </a:solidFill>
-                <a:latin typeface="Montserrat"/>
-                <a:ea typeface="Montserrat"/>
-                <a:cs typeface="Montserrat"/>
-                <a:sym typeface="Montserrat"/>
-              </a:rPr>
-              <a:t>[Insérer image finale du menu ici]</a:t>
-            </a:r>
-          </a:p>
-          <a:p>
-            <a:pPr marL="0" lvl="0" indent="0" algn="l" rtl="0">
-              <a:lnSpc>
-                <a:spcPct val="115000"/>
-              </a:lnSpc>
-              <a:spcBef>
-                <a:spcPts val="0"/>
-              </a:spcBef>
-              <a:spcAft>
-                <a:spcPts val="0"/>
-              </a:spcAft>
-              <a:buNone/>
-            </a:pPr>
-            <a:endParaRPr lang="fr-FR" sz="1200" i="1" dirty="0">
-              <a:solidFill>
-                <a:schemeClr val="dk1"/>
-              </a:solidFill>
-              <a:latin typeface="Montserrat"/>
-              <a:ea typeface="Montserrat"/>
-              <a:cs typeface="Montserrat"/>
-              <a:sym typeface="Montserrat"/>
-            </a:endParaRPr>
-          </a:p>
-        </p:txBody>
-      </p:sp>
+      </p:pic>
+      <p:pic>
+        <p:nvPicPr>
+          <p:cNvPr id="4" name="Image 3">
+            <a:extLst>
+              <a:ext uri="{FF2B5EF4-FFF2-40B4-BE49-F238E27FC236}">
+                <a16:creationId xmlns:a16="http://schemas.microsoft.com/office/drawing/2014/main" id="{0F490BED-D635-6B4E-38DF-A88FC7FEA0CC}"/>
+              </a:ext>
+            </a:extLst>
+          </p:cNvPr>
+          <p:cNvPicPr>
+            <a:picLocks noChangeAspect="1"/>
+          </p:cNvPicPr>
+          <p:nvPr/>
+        </p:nvPicPr>
+        <p:blipFill>
+          <a:blip r:embed="rId5"/>
+          <a:stretch>
+            <a:fillRect/>
+          </a:stretch>
+        </p:blipFill>
+        <p:spPr>
+          <a:xfrm>
+            <a:off x="6474842" y="2009745"/>
+            <a:ext cx="1545964" cy="2375757"/>
+          </a:xfrm>
+          <a:prstGeom prst="rect">
+            <a:avLst/>
+          </a:prstGeom>
+          <a:solidFill>
+            <a:srgbClr val="FFFFFF">
+              <a:shade val="85000"/>
+            </a:srgbClr>
+          </a:solidFill>
+          <a:ln w="88900" cap="sq">
+            <a:solidFill>
+              <a:srgbClr val="FFFFFF"/>
+            </a:solidFill>
+            <a:miter lim="800000"/>
+          </a:ln>
+          <a:effectLst>
+            <a:outerShdw blurRad="55000" dist="18000" dir="5400000" algn="tl" rotWithShape="0">
+              <a:srgbClr val="000000">
+                <a:alpha val="40000"/>
+              </a:srgbClr>
+            </a:outerShdw>
+          </a:effectLst>
+          <a:scene3d>
+            <a:camera prst="orthographicFront"/>
+            <a:lightRig rig="twoPt" dir="t">
+              <a:rot lat="0" lon="0" rev="7200000"/>
+            </a:lightRig>
+          </a:scene3d>
+          <a:sp3d>
+            <a:bevelT w="25400" h="19050"/>
+            <a:contourClr>
+              <a:srgbClr val="FFFFFF"/>
+            </a:contourClr>
+          </a:sp3d>
+        </p:spPr>
+      </p:pic>
     </p:spTree>
   </p:cSld>
   <p:clrMapOvr>

--- a/Présentation+Soufiane.pptx
+++ b/Présentation+Soufiane.pptx
@@ -7052,8 +7052,8 @@
         </p:nvSpPr>
         <p:spPr>
           <a:xfrm>
-            <a:off x="2689357" y="1152475"/>
-            <a:ext cx="3765286" cy="3416400"/>
+            <a:off x="2689357" y="1152474"/>
+            <a:ext cx="3765286" cy="3235089"/>
           </a:xfrm>
           <a:prstGeom prst="rect">
             <a:avLst/>
@@ -7061,7 +7061,7 @@
         </p:spPr>
         <p:txBody>
           <a:bodyPr spcFirstLastPara="1" wrap="square" lIns="91425" tIns="91425" rIns="91425" bIns="91425" anchor="t" anchorCtr="0">
-            <a:normAutofit lnSpcReduction="10000"/>
+            <a:normAutofit fontScale="92500" lnSpcReduction="10000"/>
           </a:bodyPr>
           <a:lstStyle/>
           <a:p>
@@ -9383,7 +9383,7 @@
         </p:nvSpPr>
         <p:spPr>
           <a:xfrm>
-            <a:off x="411750" y="1378696"/>
+            <a:off x="411750" y="1165726"/>
             <a:ext cx="8320500" cy="1805079"/>
           </a:xfrm>
           <a:prstGeom prst="rect">
@@ -9638,7 +9638,7 @@
         </p:nvSpPr>
         <p:spPr>
           <a:xfrm>
-            <a:off x="136741" y="4321767"/>
+            <a:off x="155267" y="4007776"/>
             <a:ext cx="3376480" cy="821733"/>
           </a:xfrm>
           <a:prstGeom prst="rect">
@@ -9717,15 +9717,18 @@
               </a:spcAft>
               <a:buNone/>
             </a:pPr>
-            <a:endParaRPr lang="fr-FR" sz="1200" i="1" dirty="0">
-              <a:solidFill>
-                <a:schemeClr val="dk1"/>
-              </a:solidFill>
-              <a:latin typeface="Montserrat"/>
-              <a:ea typeface="Montserrat"/>
-              <a:cs typeface="Montserrat"/>
-              <a:sym typeface="Montserrat"/>
-            </a:endParaRPr>
+            <a:r>
+              <a:rPr lang="fr-FR" sz="1200" i="1" dirty="0">
+                <a:solidFill>
+                  <a:schemeClr val="dk1"/>
+                </a:solidFill>
+                <a:latin typeface="Montserrat"/>
+                <a:ea typeface="Montserrat"/>
+                <a:cs typeface="Montserrat"/>
+                <a:sym typeface="Montserrat"/>
+              </a:rPr>
+              <a:t>Parler de toutes les techs ! Pas que DB</a:t>
+            </a:r>
           </a:p>
         </p:txBody>
       </p:sp>
@@ -9758,7 +9761,7 @@
         </p:blipFill>
         <p:spPr bwMode="auto">
           <a:xfrm>
-            <a:off x="2818828" y="2446898"/>
+            <a:off x="1910696" y="2202697"/>
             <a:ext cx="2591946" cy="703614"/>
           </a:xfrm>
           <a:prstGeom prst="rect">
@@ -10360,7 +10363,7 @@
         </p:spPr>
         <p:txBody>
           <a:bodyPr spcFirstLastPara="1" wrap="square" lIns="91425" tIns="91425" rIns="91425" bIns="91425" anchor="t" anchorCtr="0">
-            <a:normAutofit fontScale="67500" lnSpcReduction="20000"/>
+            <a:normAutofit fontScale="45000" lnSpcReduction="20000"/>
           </a:bodyPr>
           <a:lstStyle>
             <a:defPPr marR="0" lvl="0" algn="l" rtl="0">
@@ -10628,7 +10631,31 @@
                 <a:cs typeface="Montserrat"/>
                 <a:sym typeface="Montserrat"/>
               </a:rPr>
-              <a:t>« m’a aidé pour mes choix tech »</a:t>
+              <a:t>« m’a aidé pour mes choix tech ; screen direct complète de </a:t>
+            </a:r>
+            <a:r>
+              <a:rPr lang="fr-FR" sz="2000" b="1" i="1" dirty="0" err="1">
+                <a:solidFill>
+                  <a:srgbClr val="FF0000"/>
+                </a:solidFill>
+                <a:latin typeface="Montserrat"/>
+                <a:ea typeface="Montserrat"/>
+                <a:cs typeface="Montserrat"/>
+                <a:sym typeface="Montserrat"/>
+              </a:rPr>
+              <a:t>feedly</a:t>
+            </a:r>
+            <a:r>
+              <a:rPr lang="fr-FR" sz="2000" b="1" i="1" dirty="0">
+                <a:solidFill>
+                  <a:srgbClr val="FF0000"/>
+                </a:solidFill>
+                <a:latin typeface="Montserrat"/>
+                <a:ea typeface="Montserrat"/>
+                <a:cs typeface="Montserrat"/>
+                <a:sym typeface="Montserrat"/>
+              </a:rPr>
+              <a:t> »</a:t>
             </a:r>
           </a:p>
         </p:txBody>
@@ -10715,7 +10742,7 @@
         </p:blipFill>
         <p:spPr>
           <a:xfrm>
-            <a:off x="398662" y="3033710"/>
+            <a:off x="398662" y="3111003"/>
             <a:ext cx="3738563" cy="1009982"/>
           </a:xfrm>
           <a:prstGeom prst="rect">
